--- a/Matches/Practical Defensive Match - ISA - 2021/Practical Defensive Match - Oktober 2021/North Pistol, B - One Shot One Kill.pptx
+++ b/Matches/Practical Defensive Match - ISA - 2021/Practical Defensive Match - Oktober 2021/North Pistol, B - One Shot One Kill.pptx
@@ -335,7 +335,7 @@
               <a:pPr>
                 <a:defRPr/>
               </a:pPr>
-              <a:t>28.09.2021</a:t>
+              <a:t>30.09.2021</a:t>
             </a:fld>
             <a:endParaRPr lang="en-US"/>
           </a:p>
@@ -4239,7 +4239,7 @@
         </p:blipFill>
         <p:spPr>
           <a:xfrm>
-            <a:off x="2133600" y="4169265"/>
+            <a:off x="2152043" y="4263217"/>
             <a:ext cx="3124197" cy="5185583"/>
           </a:xfrm>
           <a:prstGeom prst="rect">
@@ -4256,14 +4256,14 @@
           <p:nvPr>
             <p:extLst>
               <p:ext uri="{D42A27DB-BD31-4B8C-83A1-F6EECF244321}">
-                <p14:modId xmlns:p14="http://schemas.microsoft.com/office/powerpoint/2010/main" val="2888323667"/>
+                <p14:modId xmlns:p14="http://schemas.microsoft.com/office/powerpoint/2010/main" val="3280444722"/>
               </p:ext>
             </p:extLst>
           </p:nvPr>
         </p:nvGraphicFramePr>
         <p:xfrm>
           <a:off x="152400" y="152400"/>
-          <a:ext cx="7010400" cy="4229174"/>
+          <a:ext cx="7010400" cy="4191000"/>
         </p:xfrm>
         <a:graphic>
           <a:graphicData uri="http://schemas.openxmlformats.org/drawingml/2006/table">
@@ -4277,14 +4277,14 @@
                     </a:ext>
                   </a:extLst>
                 </a:gridCol>
-                <a:gridCol w="2522730">
+                <a:gridCol w="2897529">
                   <a:extLst>
                     <a:ext uri="{9D8B030D-6E8A-4147-A177-3AD203B41FA5}">
                       <a16:colId xmlns:a16="http://schemas.microsoft.com/office/drawing/2014/main" val="20001"/>
                     </a:ext>
                   </a:extLst>
                 </a:gridCol>
-                <a:gridCol w="2421313">
+                <a:gridCol w="2046514">
                   <a:extLst>
                     <a:ext uri="{9D8B030D-6E8A-4147-A177-3AD203B41FA5}">
                       <a16:colId xmlns:a16="http://schemas.microsoft.com/office/drawing/2014/main" val="20002"/>
@@ -4500,31 +4500,8 @@
                           <a:effectLst/>
                           <a:latin typeface="Arial" charset="0"/>
                         </a:rPr>
-                        <a:t>ourse Designer: </a:t>
+                        <a:t>ourse Designer: Peter Jarvis, by modified Marcel Englmaier</a:t>
                       </a:r>
-                      <a:r>
-                        <a:rPr kumimoji="0" lang="en-US" sz="1200" b="1" i="0" u="none" strike="noStrike" cap="none" normalizeH="0" baseline="0">
-                          <a:ln>
-                            <a:noFill/>
-                          </a:ln>
-                          <a:solidFill>
-                            <a:schemeClr val="tx1"/>
-                          </a:solidFill>
-                          <a:effectLst/>
-                          <a:latin typeface="Arial" charset="0"/>
-                        </a:rPr>
-                        <a:t>Peter Jarvis</a:t>
-                      </a:r>
-                      <a:endParaRPr kumimoji="0" lang="en-US" sz="1200" b="1" i="0" u="none" strike="noStrike" cap="none" normalizeH="0" baseline="0" dirty="0">
-                        <a:ln>
-                          <a:noFill/>
-                        </a:ln>
-                        <a:solidFill>
-                          <a:schemeClr val="tx1"/>
-                        </a:solidFill>
-                        <a:effectLst/>
-                        <a:latin typeface="Arial" charset="0"/>
-                      </a:endParaRPr>
                     </a:p>
                   </a:txBody>
                   <a:tcPr marL="45720" marR="45720" marT="45715" marB="45715" anchor="ctr" horzOverflow="overflow">
@@ -4661,144 +4638,6 @@
                   </a:ext>
                 </a:extLst>
               </a:tr>
-              <a:tr h="693338">
-                <a:tc gridSpan="4">
-                  <a:txBody>
-                    <a:bodyPr/>
-                    <a:lstStyle/>
-                    <a:p>
-                      <a:pPr marL="0" marR="0" lvl="0" indent="0" algn="l" defTabSz="966788" rtl="0" eaLnBrk="1" fontAlgn="base" latinLnBrk="0" hangingPunct="1">
-                        <a:lnSpc>
-                          <a:spcPct val="90000"/>
-                        </a:lnSpc>
-                        <a:spcBef>
-                          <a:spcPct val="10000"/>
-                        </a:spcBef>
-                        <a:spcAft>
-                          <a:spcPct val="0"/>
-                        </a:spcAft>
-                        <a:buClrTx/>
-                        <a:buSzTx/>
-                        <a:buFontTx/>
-                        <a:buNone/>
-                        <a:tabLst/>
-                      </a:pPr>
-                      <a:r>
-                        <a:rPr kumimoji="0" lang="en-US" sz="1100" b="1" i="0" u="none" strike="noStrike" cap="none" normalizeH="0" baseline="0" dirty="0">
-                          <a:ln>
-                            <a:noFill/>
-                          </a:ln>
-                          <a:solidFill>
-                            <a:schemeClr val="tx1"/>
-                          </a:solidFill>
-                          <a:effectLst/>
-                          <a:latin typeface="Arial" charset="0"/>
-                          <a:ea typeface="ＭＳ Ｐゴシック" pitchFamily="-112" charset="-128"/>
-                          <a:cs typeface="Times New Roman" pitchFamily="-112" charset="0"/>
-                        </a:rPr>
-                        <a:t>SCENARIO: </a:t>
-                      </a:r>
-                      <a:r>
-                        <a:rPr kumimoji="0" lang="en-US" sz="1100" b="0" i="0" u="none" strike="noStrike" cap="none" normalizeH="0" baseline="0" dirty="0">
-                          <a:ln>
-                            <a:noFill/>
-                          </a:ln>
-                          <a:solidFill>
-                            <a:schemeClr val="tx1"/>
-                          </a:solidFill>
-                          <a:effectLst/>
-                          <a:latin typeface="Arial" charset="0"/>
-                          <a:ea typeface="ＭＳ Ｐゴシック" pitchFamily="-112" charset="-128"/>
-                          <a:cs typeface="Times New Roman" pitchFamily="-112" charset="0"/>
-                        </a:rPr>
-                        <a:t>Standards</a:t>
-                      </a:r>
-                    </a:p>
-                  </a:txBody>
-                  <a:tcPr marL="18288" marR="18288" marT="36572" marB="36572" horzOverflow="overflow">
-                    <a:lnL w="28575" cap="flat" cmpd="sng" algn="ctr">
-                      <a:solidFill>
-                        <a:schemeClr val="tx1"/>
-                      </a:solidFill>
-                      <a:prstDash val="solid"/>
-                      <a:round/>
-                      <a:headEnd type="none" w="med" len="med"/>
-                      <a:tailEnd type="none" w="med" len="med"/>
-                    </a:lnL>
-                    <a:lnR w="28575" cap="flat" cmpd="sng" algn="ctr">
-                      <a:solidFill>
-                        <a:schemeClr val="tx1"/>
-                      </a:solidFill>
-                      <a:prstDash val="solid"/>
-                      <a:round/>
-                      <a:headEnd type="none" w="med" len="med"/>
-                      <a:tailEnd type="none" w="med" len="med"/>
-                    </a:lnR>
-                    <a:lnT w="28575" cap="flat" cmpd="sng" algn="ctr">
-                      <a:solidFill>
-                        <a:schemeClr val="tx1"/>
-                      </a:solidFill>
-                      <a:prstDash val="solid"/>
-                      <a:round/>
-                      <a:headEnd type="none" w="med" len="med"/>
-                      <a:tailEnd type="none" w="med" len="med"/>
-                    </a:lnT>
-                    <a:lnB w="28575" cap="flat" cmpd="sng" algn="ctr">
-                      <a:solidFill>
-                        <a:schemeClr val="tx1"/>
-                      </a:solidFill>
-                      <a:prstDash val="solid"/>
-                      <a:round/>
-                      <a:headEnd type="none" w="med" len="med"/>
-                      <a:tailEnd type="none" w="med" len="med"/>
-                    </a:lnB>
-                    <a:lnTlToBr>
-                      <a:noFill/>
-                    </a:lnTlToBr>
-                    <a:lnBlToTr>
-                      <a:noFill/>
-                    </a:lnBlToTr>
-                    <a:solidFill>
-                      <a:schemeClr val="bg1"/>
-                    </a:solidFill>
-                  </a:tcPr>
-                </a:tc>
-                <a:tc hMerge="1">
-                  <a:txBody>
-                    <a:bodyPr/>
-                    <a:lstStyle/>
-                    <a:p>
-                      <a:endParaRPr lang="en-US"/>
-                    </a:p>
-                  </a:txBody>
-                  <a:tcPr/>
-                </a:tc>
-                <a:tc hMerge="1">
-                  <a:txBody>
-                    <a:bodyPr/>
-                    <a:lstStyle/>
-                    <a:p>
-                      <a:endParaRPr lang="en-US"/>
-                    </a:p>
-                  </a:txBody>
-                  <a:tcPr/>
-                </a:tc>
-                <a:tc hMerge="1">
-                  <a:txBody>
-                    <a:bodyPr/>
-                    <a:lstStyle/>
-                    <a:p>
-                      <a:endParaRPr lang="en-US"/>
-                    </a:p>
-                  </a:txBody>
-                  <a:tcPr/>
-                </a:tc>
-                <a:extLst>
-                  <a:ext uri="{0D108BD9-81ED-4DB2-BD59-A6C34878D82A}">
-                    <a16:rowId xmlns:a16="http://schemas.microsoft.com/office/drawing/2014/main" val="10001"/>
-                  </a:ext>
-                </a:extLst>
-              </a:tr>
               <a:tr h="450103">
                 <a:tc gridSpan="2">
                   <a:txBody>
@@ -4835,10 +4674,29 @@
                           <a:ea typeface="ＭＳ Ｐゴシック" pitchFamily="-112" charset="-128"/>
                           <a:cs typeface="Times New Roman" pitchFamily="-112" charset="0"/>
                         </a:rPr>
-                        <a:t>START </a:t>
+                        <a:t>START POSITION:</a:t>
                       </a:r>
+                    </a:p>
+                    <a:p>
+                      <a:pPr marL="0" marR="0" lvl="0" indent="0" algn="l" defTabSz="966788" rtl="0" eaLnBrk="1" fontAlgn="base" latinLnBrk="0" hangingPunct="1">
+                        <a:lnSpc>
+                          <a:spcPct val="90000"/>
+                        </a:lnSpc>
+                        <a:spcBef>
+                          <a:spcPct val="10000"/>
+                        </a:spcBef>
+                        <a:spcAft>
+                          <a:spcPct val="0"/>
+                        </a:spcAft>
+                        <a:buClrTx/>
+                        <a:buSzTx/>
+                        <a:buFontTx/>
+                        <a:buNone/>
+                        <a:tabLst/>
+                        <a:defRPr/>
+                      </a:pPr>
                       <a:r>
-                        <a:rPr kumimoji="0" lang="en-US" sz="1100" b="1" i="0" u="none" strike="noStrike" cap="none" normalizeH="0" baseline="0" dirty="0" err="1">
+                        <a:rPr kumimoji="0" lang="en-US" sz="1100" b="1" i="0" u="none" strike="noStrike" cap="none" normalizeH="0" baseline="0" dirty="0">
                           <a:ln>
                             <a:noFill/>
                           </a:ln>
@@ -4850,22 +4708,7 @@
                           <a:ea typeface="ＭＳ Ｐゴシック" pitchFamily="-112" charset="-128"/>
                           <a:cs typeface="Times New Roman" pitchFamily="-112" charset="0"/>
                         </a:rPr>
-                        <a:t>POSITION:</a:t>
-                      </a:r>
-                      <a:r>
-                        <a:rPr kumimoji="0" lang="en-US" sz="1100" b="0" i="0" u="none" strike="noStrike" cap="none" normalizeH="0" baseline="0" dirty="0" err="1">
-                          <a:ln>
-                            <a:noFill/>
-                          </a:ln>
-                          <a:solidFill>
-                            <a:schemeClr val="tx1"/>
-                          </a:solidFill>
-                          <a:effectLst/>
-                          <a:latin typeface="Arial" charset="0"/>
-                          <a:ea typeface="ＭＳ Ｐゴシック" pitchFamily="-112" charset="-128"/>
-                          <a:cs typeface="Times New Roman" pitchFamily="-112" charset="0"/>
-                        </a:rPr>
-                        <a:t>Standing</a:t>
+                        <a:t>String 1: </a:t>
                       </a:r>
                       <a:r>
                         <a:rPr kumimoji="0" lang="en-US" sz="1100" b="0" i="0" u="none" strike="noStrike" cap="none" normalizeH="0" baseline="0" dirty="0">
@@ -4880,7 +4723,7 @@
                           <a:ea typeface="ＭＳ Ｐゴシック" pitchFamily="-112" charset="-128"/>
                           <a:cs typeface="Times New Roman" pitchFamily="-112" charset="0"/>
                         </a:rPr>
-                        <a:t> in P1, wrists below belt.</a:t>
+                        <a:t>Standing in P1</a:t>
                       </a:r>
                     </a:p>
                     <a:p>
@@ -4914,7 +4757,7 @@
                           <a:ea typeface="ＭＳ Ｐゴシック" pitchFamily="-112" charset="-128"/>
                           <a:cs typeface="Times New Roman" pitchFamily="-112" charset="0"/>
                         </a:rPr>
-                        <a:t>Handgun: Loaded and holstered</a:t>
+                        <a:t>Handgun: Loaded and holstered, wrists below belt.</a:t>
                       </a:r>
                     </a:p>
                     <a:p>
@@ -4948,7 +4791,184 @@
                           <a:ea typeface="ＭＳ Ｐゴシック" pitchFamily="-112" charset="-128"/>
                           <a:cs typeface="Times New Roman" pitchFamily="-112" charset="0"/>
                         </a:rPr>
-                        <a:t>PCC: Stock on belt, muzzle pointed downrange</a:t>
+                        <a:t>PCC: Stock on belt, muzzle pointed downrange.</a:t>
+                      </a:r>
+                    </a:p>
+                    <a:p>
+                      <a:pPr marL="0" marR="0" lvl="0" indent="0" algn="l" defTabSz="966788" rtl="0" eaLnBrk="1" fontAlgn="base" latinLnBrk="0" hangingPunct="1">
+                        <a:lnSpc>
+                          <a:spcPct val="100000"/>
+                        </a:lnSpc>
+                        <a:spcBef>
+                          <a:spcPct val="5000"/>
+                        </a:spcBef>
+                        <a:spcAft>
+                          <a:spcPct val="0"/>
+                        </a:spcAft>
+                        <a:buClrTx/>
+                        <a:buSzTx/>
+                        <a:buFontTx/>
+                        <a:buNone/>
+                        <a:tabLst/>
+                      </a:pPr>
+                      <a:endParaRPr kumimoji="0" lang="en-US" sz="1100" b="1" i="0" u="none" strike="noStrike" cap="none" normalizeH="0" baseline="0" dirty="0">
+                        <a:ln>
+                          <a:noFill/>
+                        </a:ln>
+                        <a:solidFill>
+                          <a:schemeClr val="tx1"/>
+                        </a:solidFill>
+                        <a:effectLst/>
+                        <a:latin typeface="Arial" charset="0"/>
+                        <a:ea typeface="ＭＳ Ｐゴシック" pitchFamily="-112" charset="-128"/>
+                        <a:cs typeface="Times New Roman" pitchFamily="-112" charset="0"/>
+                      </a:endParaRPr>
+                    </a:p>
+                    <a:p>
+                      <a:pPr marL="0" marR="0" lvl="0" indent="0" algn="l" defTabSz="966788" rtl="0" eaLnBrk="1" fontAlgn="base" latinLnBrk="0" hangingPunct="1">
+                        <a:lnSpc>
+                          <a:spcPct val="90000"/>
+                        </a:lnSpc>
+                        <a:spcBef>
+                          <a:spcPct val="10000"/>
+                        </a:spcBef>
+                        <a:spcAft>
+                          <a:spcPct val="0"/>
+                        </a:spcAft>
+                        <a:buClrTx/>
+                        <a:buSzTx/>
+                        <a:buFontTx/>
+                        <a:buNone/>
+                        <a:tabLst/>
+                        <a:defRPr/>
+                      </a:pPr>
+                      <a:r>
+                        <a:rPr kumimoji="0" lang="en-US" sz="1100" b="1" i="0" u="none" strike="noStrike" cap="none" normalizeH="0" baseline="0" dirty="0">
+                          <a:ln>
+                            <a:noFill/>
+                          </a:ln>
+                          <a:solidFill>
+                            <a:schemeClr val="tx1"/>
+                          </a:solidFill>
+                          <a:effectLst/>
+                          <a:latin typeface="Arial" charset="0"/>
+                          <a:ea typeface="ＭＳ Ｐゴシック" pitchFamily="-112" charset="-128"/>
+                          <a:cs typeface="Times New Roman" pitchFamily="-112" charset="0"/>
+                        </a:rPr>
+                        <a:t>String 2: </a:t>
+                      </a:r>
+                      <a:r>
+                        <a:rPr kumimoji="0" lang="en-US" sz="1100" b="0" i="0" u="none" strike="noStrike" cap="none" normalizeH="0" baseline="0" dirty="0">
+                          <a:ln>
+                            <a:noFill/>
+                          </a:ln>
+                          <a:solidFill>
+                            <a:schemeClr val="tx1"/>
+                          </a:solidFill>
+                          <a:effectLst/>
+                          <a:latin typeface="Arial" charset="0"/>
+                          <a:ea typeface="ＭＳ Ｐゴシック" pitchFamily="-112" charset="-128"/>
+                          <a:cs typeface="Times New Roman" pitchFamily="-112" charset="0"/>
+                        </a:rPr>
+                        <a:t>Standing </a:t>
+                      </a:r>
+                      <a:r>
+                        <a:rPr kumimoji="0" lang="en-US" sz="1100" b="0" i="0" u="none" strike="noStrike" cap="none" normalizeH="0" baseline="0">
+                          <a:ln>
+                            <a:noFill/>
+                          </a:ln>
+                          <a:solidFill>
+                            <a:schemeClr val="tx1"/>
+                          </a:solidFill>
+                          <a:effectLst/>
+                          <a:latin typeface="Arial" charset="0"/>
+                          <a:ea typeface="ＭＳ Ｐゴシック" pitchFamily="-112" charset="-128"/>
+                          <a:cs typeface="Times New Roman" pitchFamily="-112" charset="0"/>
+                        </a:rPr>
+                        <a:t>in P2</a:t>
+                      </a:r>
+                    </a:p>
+                    <a:p>
+                      <a:pPr marL="0" marR="0" lvl="0" indent="0" algn="l" defTabSz="966788" rtl="0" eaLnBrk="1" fontAlgn="base" latinLnBrk="0" hangingPunct="1">
+                        <a:lnSpc>
+                          <a:spcPct val="90000"/>
+                        </a:lnSpc>
+                        <a:spcBef>
+                          <a:spcPct val="10000"/>
+                        </a:spcBef>
+                        <a:spcAft>
+                          <a:spcPct val="0"/>
+                        </a:spcAft>
+                        <a:buClrTx/>
+                        <a:buSzTx/>
+                        <a:buFontTx/>
+                        <a:buNone/>
+                        <a:tabLst/>
+                        <a:defRPr/>
+                      </a:pPr>
+                      <a:r>
+                        <a:rPr kumimoji="0" lang="en-US" sz="1100" b="0" i="0" u="none" strike="noStrike" cap="none" normalizeH="0" baseline="0">
+                          <a:ln>
+                            <a:noFill/>
+                          </a:ln>
+                          <a:solidFill>
+                            <a:schemeClr val="tx1"/>
+                          </a:solidFill>
+                          <a:effectLst/>
+                          <a:latin typeface="Arial" charset="0"/>
+                          <a:ea typeface="ＭＳ Ｐゴシック" pitchFamily="-112" charset="-128"/>
+                          <a:cs typeface="Times New Roman" pitchFamily="-112" charset="0"/>
+                        </a:rPr>
+                        <a:t>Handgun</a:t>
+                      </a:r>
+                      <a:r>
+                        <a:rPr kumimoji="0" lang="en-US" sz="1100" b="0" i="0" u="none" strike="noStrike" cap="none" normalizeH="0" baseline="0" dirty="0">
+                          <a:ln>
+                            <a:noFill/>
+                          </a:ln>
+                          <a:solidFill>
+                            <a:schemeClr val="tx1"/>
+                          </a:solidFill>
+                          <a:effectLst/>
+                          <a:latin typeface="Arial" charset="0"/>
+                          <a:ea typeface="ＭＳ Ｐゴシック" pitchFamily="-112" charset="-128"/>
+                          <a:cs typeface="Times New Roman" pitchFamily="-112" charset="0"/>
+                        </a:rPr>
+                        <a:t>: Loaded and holstered, wrists below belt.</a:t>
+                      </a:r>
+                    </a:p>
+                    <a:p>
+                      <a:pPr marL="0" marR="0" lvl="0" indent="0" algn="l" defTabSz="966788" rtl="0" eaLnBrk="1" fontAlgn="base" latinLnBrk="0" hangingPunct="1">
+                        <a:lnSpc>
+                          <a:spcPct val="90000"/>
+                        </a:lnSpc>
+                        <a:spcBef>
+                          <a:spcPct val="10000"/>
+                        </a:spcBef>
+                        <a:spcAft>
+                          <a:spcPct val="0"/>
+                        </a:spcAft>
+                        <a:buClrTx/>
+                        <a:buSzTx/>
+                        <a:buFontTx/>
+                        <a:buNone/>
+                        <a:tabLst/>
+                        <a:defRPr/>
+                      </a:pPr>
+                      <a:r>
+                        <a:rPr kumimoji="0" lang="en-US" sz="1100" b="0" i="0" u="none" strike="noStrike" cap="none" normalizeH="0" baseline="0" dirty="0">
+                          <a:ln>
+                            <a:noFill/>
+                          </a:ln>
+                          <a:solidFill>
+                            <a:schemeClr val="tx1"/>
+                          </a:solidFill>
+                          <a:effectLst/>
+                          <a:latin typeface="Arial" charset="0"/>
+                          <a:ea typeface="ＭＳ Ｐゴシック" pitchFamily="-112" charset="-128"/>
+                          <a:cs typeface="Times New Roman" pitchFamily="-112" charset="0"/>
+                        </a:rPr>
+                        <a:t>PCC: Stock on belt, muzzle pointed downrange.</a:t>
                       </a:r>
                     </a:p>
                     <a:p>
@@ -5074,7 +5094,7 @@
                           <a:ea typeface="ＭＳ Ｐゴシック" pitchFamily="-112" charset="-128"/>
                           <a:cs typeface="Times New Roman" pitchFamily="-112" charset="0"/>
                         </a:rPr>
-                        <a:t>STRINGS:                 1</a:t>
+                        <a:t>STRINGS:                 2</a:t>
                       </a:r>
                     </a:p>
                     <a:p>
@@ -5107,41 +5127,7 @@
                           <a:ea typeface="ＭＳ Ｐゴシック" pitchFamily="-112" charset="-128"/>
                           <a:cs typeface="Times New Roman" pitchFamily="-112" charset="0"/>
                         </a:rPr>
-                        <a:t>SCORING:                Unlimited/Limited</a:t>
-                      </a:r>
-                    </a:p>
-                    <a:p>
-                      <a:pPr marL="0" marR="0" lvl="0" indent="0" algn="l" defTabSz="966788" rtl="0" eaLnBrk="0" fontAlgn="base" latinLnBrk="0" hangingPunct="0">
-                        <a:lnSpc>
-                          <a:spcPct val="100000"/>
-                        </a:lnSpc>
-                        <a:spcBef>
-                          <a:spcPct val="0"/>
-                        </a:spcBef>
-                        <a:spcAft>
-                          <a:spcPct val="0"/>
-                        </a:spcAft>
-                        <a:buClrTx/>
-                        <a:buSzTx/>
-                        <a:buFontTx/>
-                        <a:buNone/>
-                        <a:tabLst/>
-                        <a:defRPr/>
-                      </a:pPr>
-                      <a:r>
-                        <a:rPr kumimoji="0" lang="en-US" sz="1100" b="1" i="0" u="none" strike="noStrike" cap="none" normalizeH="0" baseline="0" dirty="0">
-                          <a:ln>
-                            <a:noFill/>
-                          </a:ln>
-                          <a:solidFill>
-                            <a:schemeClr val="tx1"/>
-                          </a:solidFill>
-                          <a:effectLst/>
-                          <a:latin typeface="Arial" charset="0"/>
-                          <a:ea typeface="ＭＳ Ｐゴシック" pitchFamily="-112" charset="-128"/>
-                          <a:cs typeface="Times New Roman" pitchFamily="-112" charset="0"/>
-                        </a:rPr>
-                        <a:t>SCORED HITS:        Best 2</a:t>
+                        <a:t>SCORING:                Unlimited</a:t>
                       </a:r>
                     </a:p>
                     <a:p>
@@ -5174,40 +5160,7 @@
                           <a:ea typeface="ＭＳ Ｐゴシック" pitchFamily="-112" charset="-128"/>
                           <a:cs typeface="Times New Roman" pitchFamily="-112" charset="0"/>
                         </a:rPr>
-                        <a:t>ROUND COUNT:      X</a:t>
-                      </a:r>
-                    </a:p>
-                    <a:p>
-                      <a:pPr marL="0" marR="0" lvl="0" indent="0" algn="l" defTabSz="966788" rtl="0" eaLnBrk="0" fontAlgn="base" latinLnBrk="0" hangingPunct="0">
-                        <a:lnSpc>
-                          <a:spcPct val="100000"/>
-                        </a:lnSpc>
-                        <a:spcBef>
-                          <a:spcPct val="0"/>
-                        </a:spcBef>
-                        <a:spcAft>
-                          <a:spcPct val="0"/>
-                        </a:spcAft>
-                        <a:buClrTx/>
-                        <a:buSzTx/>
-                        <a:buFontTx/>
-                        <a:buNone/>
-                        <a:tabLst/>
-                      </a:pPr>
-                      <a:r>
-                        <a:rPr kumimoji="0" lang="en-US" sz="1100" b="1" i="0" u="none" strike="noStrike" cap="none" normalizeH="0" baseline="0" dirty="0">
-                          <a:ln>
-                            <a:noFill/>
-                          </a:ln>
-                          <a:solidFill>
-                            <a:schemeClr val="tx1"/>
-                          </a:solidFill>
-                          <a:effectLst/>
-                          <a:latin typeface="Arial" charset="0"/>
-                          <a:ea typeface="ＭＳ Ｐゴシック" pitchFamily="-112" charset="-128"/>
-                          <a:cs typeface="Times New Roman" pitchFamily="-112" charset="0"/>
-                        </a:rPr>
-                        <a:t>TARGETS:	         5 IDPA, 1 NT, 1 PP</a:t>
+                        <a:t>ROUND COUNT:      18</a:t>
                       </a:r>
                     </a:p>
                     <a:p>
@@ -5241,162 +5194,6 @@
                           <a:cs typeface="Times New Roman" pitchFamily="-112" charset="0"/>
                         </a:rPr>
                         <a:t>START-STOP:          Audible - Last shot</a:t>
-                      </a:r>
-                    </a:p>
-                    <a:p>
-                      <a:pPr marL="0" marR="0" lvl="0" indent="0" algn="l" defTabSz="966788" rtl="0" eaLnBrk="0" fontAlgn="base" latinLnBrk="0" hangingPunct="0">
-                        <a:lnSpc>
-                          <a:spcPct val="100000"/>
-                        </a:lnSpc>
-                        <a:spcBef>
-                          <a:spcPct val="0"/>
-                        </a:spcBef>
-                        <a:spcAft>
-                          <a:spcPct val="0"/>
-                        </a:spcAft>
-                        <a:buClrTx/>
-                        <a:buSzTx/>
-                        <a:buFontTx/>
-                        <a:buNone/>
-                        <a:tabLst/>
-                      </a:pPr>
-                      <a:r>
-                        <a:rPr kumimoji="0" lang="en-US" sz="1100" b="1" i="0" u="none" strike="noStrike" cap="none" normalizeH="0" baseline="0" dirty="0">
-                          <a:ln>
-                            <a:noFill/>
-                          </a:ln>
-                          <a:solidFill>
-                            <a:schemeClr val="tx1"/>
-                          </a:solidFill>
-                          <a:effectLst/>
-                          <a:latin typeface="Arial" charset="0"/>
-                          <a:ea typeface="ＭＳ Ｐゴシック" pitchFamily="-112" charset="-128"/>
-                          <a:cs typeface="Times New Roman" pitchFamily="-112" charset="0"/>
-                        </a:rPr>
-                        <a:t>CONCEALMENT:     Required</a:t>
-                      </a:r>
-                    </a:p>
-                    <a:p>
-                      <a:pPr marL="0" marR="0" lvl="0" indent="0" algn="l" defTabSz="966788" rtl="0" eaLnBrk="0" fontAlgn="base" latinLnBrk="0" hangingPunct="0">
-                        <a:lnSpc>
-                          <a:spcPct val="100000"/>
-                        </a:lnSpc>
-                        <a:spcBef>
-                          <a:spcPct val="0"/>
-                        </a:spcBef>
-                        <a:spcAft>
-                          <a:spcPct val="0"/>
-                        </a:spcAft>
-                        <a:buClrTx/>
-                        <a:buSzTx/>
-                        <a:buFontTx/>
-                        <a:buNone/>
-                        <a:tabLst/>
-                      </a:pPr>
-                      <a:r>
-                        <a:rPr kumimoji="0" lang="en-US" sz="1100" b="1" i="0" u="none" strike="noStrike" cap="none" normalizeH="0" baseline="0" dirty="0">
-                          <a:ln>
-                            <a:noFill/>
-                          </a:ln>
-                          <a:solidFill>
-                            <a:schemeClr val="tx1"/>
-                          </a:solidFill>
-                          <a:effectLst/>
-                          <a:latin typeface="Arial" charset="0"/>
-                          <a:ea typeface="ＭＳ Ｐゴシック" pitchFamily="-112" charset="-128"/>
-                          <a:cs typeface="Times New Roman" pitchFamily="-112" charset="0"/>
-                        </a:rPr>
-                        <a:t>Muzzle Safe Points: Muzzle safe markers / 180 </a:t>
-                      </a:r>
-                      <a:r>
-                        <a:rPr kumimoji="0" lang="en-US" sz="1100" b="1" i="0" u="none" strike="noStrike" cap="none" normalizeH="0" baseline="0">
-                          <a:ln>
-                            <a:noFill/>
-                          </a:ln>
-                          <a:solidFill>
-                            <a:schemeClr val="tx1"/>
-                          </a:solidFill>
-                          <a:effectLst/>
-                          <a:latin typeface="Arial" charset="0"/>
-                          <a:ea typeface="ＭＳ Ｐゴシック" pitchFamily="-112" charset="-128"/>
-                          <a:cs typeface="Times New Roman" pitchFamily="-112" charset="0"/>
-                        </a:rPr>
-                        <a:t>degree rule</a:t>
-                      </a:r>
-                      <a:endParaRPr kumimoji="0" lang="en-US" sz="1100" b="1" i="0" u="none" strike="noStrike" cap="none" normalizeH="0" baseline="0" dirty="0">
-                        <a:ln>
-                          <a:noFill/>
-                        </a:ln>
-                        <a:solidFill>
-                          <a:schemeClr val="tx1"/>
-                        </a:solidFill>
-                        <a:effectLst/>
-                        <a:latin typeface="Arial" charset="0"/>
-                        <a:ea typeface="ＭＳ Ｐゴシック" pitchFamily="-112" charset="-128"/>
-                        <a:cs typeface="Times New Roman" pitchFamily="-112" charset="0"/>
-                      </a:endParaRPr>
-                    </a:p>
-                    <a:p>
-                      <a:pPr marL="0" marR="0" lvl="0" indent="0" algn="l" defTabSz="966788" rtl="0" eaLnBrk="0" fontAlgn="base" latinLnBrk="0" hangingPunct="0">
-                        <a:lnSpc>
-                          <a:spcPct val="100000"/>
-                        </a:lnSpc>
-                        <a:spcBef>
-                          <a:spcPct val="0"/>
-                        </a:spcBef>
-                        <a:spcAft>
-                          <a:spcPct val="0"/>
-                        </a:spcAft>
-                        <a:buClrTx/>
-                        <a:buSzTx/>
-                        <a:buFontTx/>
-                        <a:buNone/>
-                        <a:tabLst/>
-                      </a:pPr>
-                      <a:endParaRPr kumimoji="0" lang="en-US" sz="1100" b="1" i="0" u="none" strike="noStrike" cap="none" normalizeH="0" baseline="0" dirty="0">
-                        <a:ln>
-                          <a:noFill/>
-                        </a:ln>
-                        <a:solidFill>
-                          <a:schemeClr val="tx1"/>
-                        </a:solidFill>
-                        <a:effectLst/>
-                        <a:latin typeface="Arial" charset="0"/>
-                        <a:ea typeface="ＭＳ Ｐゴシック" pitchFamily="-112" charset="-128"/>
-                        <a:cs typeface="Times New Roman" pitchFamily="-112" charset="0"/>
-                      </a:endParaRPr>
-                    </a:p>
-                    <a:p>
-                      <a:pPr marL="0" marR="0" lvl="0" indent="0" algn="l" defTabSz="966788" rtl="0" eaLnBrk="0" fontAlgn="base" latinLnBrk="0" hangingPunct="0">
-                        <a:lnSpc>
-                          <a:spcPct val="100000"/>
-                        </a:lnSpc>
-                        <a:spcBef>
-                          <a:spcPct val="0"/>
-                        </a:spcBef>
-                        <a:spcAft>
-                          <a:spcPct val="0"/>
-                        </a:spcAft>
-                        <a:buClrTx/>
-                        <a:buSzTx/>
-                        <a:buFontTx/>
-                        <a:buNone/>
-                        <a:tabLst/>
-                      </a:pPr>
-                      <a:r>
-                        <a:rPr kumimoji="0" lang="en-US" sz="1100" b="1" i="0" u="none" strike="noStrike" cap="none" normalizeH="0" baseline="0" dirty="0">
-                          <a:ln>
-                            <a:noFill/>
-                          </a:ln>
-                          <a:solidFill>
-                            <a:schemeClr val="tx1"/>
-                          </a:solidFill>
-                          <a:effectLst/>
-                          <a:latin typeface="Arial" charset="0"/>
-                          <a:ea typeface="ＭＳ Ｐゴシック" pitchFamily="-112" charset="-128"/>
-                          <a:cs typeface="Times New Roman" pitchFamily="-112" charset="0"/>
-                        </a:rPr>
-                        <a:t>SO NOTES:</a:t>
                       </a:r>
                     </a:p>
                   </a:txBody>
@@ -5464,7 +5261,7 @@
                   </a:ext>
                 </a:extLst>
               </a:tr>
-              <a:tr h="1736192">
+              <a:tr h="1544774">
                 <a:tc gridSpan="2">
                   <a:txBody>
                     <a:bodyPr/>
@@ -5499,7 +5296,40 @@
                           <a:ea typeface="ＭＳ Ｐゴシック" pitchFamily="-112" charset="-128"/>
                           <a:cs typeface="Times New Roman" pitchFamily="-112" charset="0"/>
                         </a:rPr>
-                        <a:t>STAGE PROCEDURE: </a:t>
+                        <a:t>STAGE PROCEDURE:</a:t>
+                      </a:r>
+                    </a:p>
+                    <a:p>
+                      <a:pPr marL="0" marR="0" lvl="0" indent="0" algn="l" defTabSz="966788" rtl="0" eaLnBrk="1" fontAlgn="base" latinLnBrk="0" hangingPunct="1">
+                        <a:lnSpc>
+                          <a:spcPct val="100000"/>
+                        </a:lnSpc>
+                        <a:spcBef>
+                          <a:spcPct val="20000"/>
+                        </a:spcBef>
+                        <a:spcAft>
+                          <a:spcPct val="0"/>
+                        </a:spcAft>
+                        <a:buClrTx/>
+                        <a:buSzTx/>
+                        <a:buFontTx/>
+                        <a:buNone/>
+                        <a:tabLst/>
+                      </a:pPr>
+                      <a:r>
+                        <a:rPr kumimoji="0" lang="en-US" sz="1100" b="1" i="0" u="none" strike="noStrike" cap="none" normalizeH="0" baseline="0" dirty="0">
+                          <a:ln>
+                            <a:noFill/>
+                          </a:ln>
+                          <a:solidFill>
+                            <a:schemeClr val="tx1"/>
+                          </a:solidFill>
+                          <a:effectLst/>
+                          <a:latin typeface="Arial" charset="0"/>
+                          <a:ea typeface="ＭＳ Ｐゴシック" pitchFamily="-112" charset="-128"/>
+                          <a:cs typeface="Times New Roman" pitchFamily="-112" charset="0"/>
+                        </a:rPr>
+                        <a:t>String 1: </a:t>
                       </a:r>
                       <a:r>
                         <a:rPr kumimoji="0" lang="en-US" sz="1100" b="0" i="0" u="none" strike="noStrike" cap="none" normalizeH="0" baseline="0" dirty="0">
@@ -5514,7 +5344,7 @@
                           <a:ea typeface="ＭＳ Ｐゴシック" pitchFamily="-112" charset="-128"/>
                           <a:cs typeface="Times New Roman" pitchFamily="-112" charset="0"/>
                         </a:rPr>
-                        <a:t>At the start signal, engage </a:t>
+                        <a:t>At the start signal, engage the Heads of T1-T3 freestyle from P1, then perform a mandatory reload and engage to Bodies of T1-T3 Strong Hand Only from P2.</a:t>
                       </a:r>
                     </a:p>
                     <a:p>
@@ -5563,36 +5393,7 @@
                         <a:buFontTx/>
                         <a:buNone/>
                         <a:tabLst/>
-                      </a:pPr>
-                      <a:endParaRPr kumimoji="0" lang="en-US" sz="1100" b="1" i="0" u="none" strike="noStrike" cap="none" normalizeH="0" baseline="0" dirty="0">
-                        <a:ln>
-                          <a:noFill/>
-                        </a:ln>
-                        <a:solidFill>
-                          <a:schemeClr val="tx1"/>
-                        </a:solidFill>
-                        <a:effectLst/>
-                        <a:latin typeface="Arial" charset="0"/>
-                        <a:ea typeface="ＭＳ Ｐゴシック" pitchFamily="-112" charset="-128"/>
-                        <a:cs typeface="Times New Roman" pitchFamily="-112" charset="0"/>
-                      </a:endParaRPr>
-                    </a:p>
-                    <a:p>
-                      <a:pPr marL="0" marR="0" lvl="0" indent="0" algn="l" defTabSz="966788" rtl="0" eaLnBrk="1" fontAlgn="base" latinLnBrk="0" hangingPunct="1">
-                        <a:lnSpc>
-                          <a:spcPct val="100000"/>
-                        </a:lnSpc>
-                        <a:spcBef>
-                          <a:spcPct val="20000"/>
-                        </a:spcBef>
-                        <a:spcAft>
-                          <a:spcPct val="0"/>
-                        </a:spcAft>
-                        <a:buClrTx/>
-                        <a:buSzTx/>
-                        <a:buFontTx/>
-                        <a:buNone/>
-                        <a:tabLst/>
+                        <a:defRPr/>
                       </a:pPr>
                       <a:r>
                         <a:rPr kumimoji="0" lang="en-US" sz="1100" b="1" i="0" u="none" strike="noStrike" cap="none" normalizeH="0" baseline="0" dirty="0">
@@ -5607,7 +5408,22 @@
                           <a:ea typeface="ＭＳ Ｐゴシック" pitchFamily="-112" charset="-128"/>
                           <a:cs typeface="Times New Roman" pitchFamily="-112" charset="0"/>
                         </a:rPr>
-                        <a:t>NOTES:</a:t>
+                        <a:t>String 2: </a:t>
+                      </a:r>
+                      <a:r>
+                        <a:rPr kumimoji="0" lang="en-US" sz="1100" b="0" i="0" u="none" strike="noStrike" cap="none" normalizeH="0" baseline="0" dirty="0">
+                          <a:ln>
+                            <a:noFill/>
+                          </a:ln>
+                          <a:solidFill>
+                            <a:schemeClr val="tx1"/>
+                          </a:solidFill>
+                          <a:effectLst/>
+                          <a:latin typeface="Arial" charset="0"/>
+                          <a:ea typeface="ＭＳ Ｐゴシック" pitchFamily="-112" charset="-128"/>
+                          <a:cs typeface="Times New Roman" pitchFamily="-112" charset="0"/>
+                        </a:rPr>
+                        <a:t>At the start signal, engage the Heads of T4-T6 freestyle from P2, then perform a mandatory reload and engage to Bodies of T4-T6 Weak Hand Only from P3.</a:t>
                       </a:r>
                     </a:p>
                   </a:txBody>
